--- a/flow-chart.pptx
+++ b/flow-chart.pptx
@@ -243,7 +243,7 @@
           <a:p>
             <a:fld id="{5E867397-7C0A-45C7-8969-E76EFE3E04AC}" type="datetimeFigureOut">
               <a:rPr lang="en-IN" smtClean="0"/>
-              <a:t>06-04-2022</a:t>
+              <a:t>01-05-2022</a:t>
             </a:fld>
             <a:endParaRPr lang="en-IN"/>
           </a:p>
@@ -413,7 +413,7 @@
           <a:p>
             <a:fld id="{5E867397-7C0A-45C7-8969-E76EFE3E04AC}" type="datetimeFigureOut">
               <a:rPr lang="en-IN" smtClean="0"/>
-              <a:t>06-04-2022</a:t>
+              <a:t>01-05-2022</a:t>
             </a:fld>
             <a:endParaRPr lang="en-IN"/>
           </a:p>
@@ -593,7 +593,7 @@
           <a:p>
             <a:fld id="{5E867397-7C0A-45C7-8969-E76EFE3E04AC}" type="datetimeFigureOut">
               <a:rPr lang="en-IN" smtClean="0"/>
-              <a:t>06-04-2022</a:t>
+              <a:t>01-05-2022</a:t>
             </a:fld>
             <a:endParaRPr lang="en-IN"/>
           </a:p>
@@ -763,7 +763,7 @@
           <a:p>
             <a:fld id="{5E867397-7C0A-45C7-8969-E76EFE3E04AC}" type="datetimeFigureOut">
               <a:rPr lang="en-IN" smtClean="0"/>
-              <a:t>06-04-2022</a:t>
+              <a:t>01-05-2022</a:t>
             </a:fld>
             <a:endParaRPr lang="en-IN"/>
           </a:p>
@@ -1007,7 +1007,7 @@
           <a:p>
             <a:fld id="{5E867397-7C0A-45C7-8969-E76EFE3E04AC}" type="datetimeFigureOut">
               <a:rPr lang="en-IN" smtClean="0"/>
-              <a:t>06-04-2022</a:t>
+              <a:t>01-05-2022</a:t>
             </a:fld>
             <a:endParaRPr lang="en-IN"/>
           </a:p>
@@ -1239,7 +1239,7 @@
           <a:p>
             <a:fld id="{5E867397-7C0A-45C7-8969-E76EFE3E04AC}" type="datetimeFigureOut">
               <a:rPr lang="en-IN" smtClean="0"/>
-              <a:t>06-04-2022</a:t>
+              <a:t>01-05-2022</a:t>
             </a:fld>
             <a:endParaRPr lang="en-IN"/>
           </a:p>
@@ -1606,7 +1606,7 @@
           <a:p>
             <a:fld id="{5E867397-7C0A-45C7-8969-E76EFE3E04AC}" type="datetimeFigureOut">
               <a:rPr lang="en-IN" smtClean="0"/>
-              <a:t>06-04-2022</a:t>
+              <a:t>01-05-2022</a:t>
             </a:fld>
             <a:endParaRPr lang="en-IN"/>
           </a:p>
@@ -1724,7 +1724,7 @@
           <a:p>
             <a:fld id="{5E867397-7C0A-45C7-8969-E76EFE3E04AC}" type="datetimeFigureOut">
               <a:rPr lang="en-IN" smtClean="0"/>
-              <a:t>06-04-2022</a:t>
+              <a:t>01-05-2022</a:t>
             </a:fld>
             <a:endParaRPr lang="en-IN"/>
           </a:p>
@@ -1819,7 +1819,7 @@
           <a:p>
             <a:fld id="{5E867397-7C0A-45C7-8969-E76EFE3E04AC}" type="datetimeFigureOut">
               <a:rPr lang="en-IN" smtClean="0"/>
-              <a:t>06-04-2022</a:t>
+              <a:t>01-05-2022</a:t>
             </a:fld>
             <a:endParaRPr lang="en-IN"/>
           </a:p>
@@ -2096,7 +2096,7 @@
           <a:p>
             <a:fld id="{5E867397-7C0A-45C7-8969-E76EFE3E04AC}" type="datetimeFigureOut">
               <a:rPr lang="en-IN" smtClean="0"/>
-              <a:t>06-04-2022</a:t>
+              <a:t>01-05-2022</a:t>
             </a:fld>
             <a:endParaRPr lang="en-IN"/>
           </a:p>
@@ -2353,7 +2353,7 @@
           <a:p>
             <a:fld id="{5E867397-7C0A-45C7-8969-E76EFE3E04AC}" type="datetimeFigureOut">
               <a:rPr lang="en-IN" smtClean="0"/>
-              <a:t>06-04-2022</a:t>
+              <a:t>01-05-2022</a:t>
             </a:fld>
             <a:endParaRPr lang="en-IN"/>
           </a:p>
@@ -2566,7 +2566,7 @@
           <a:p>
             <a:fld id="{5E867397-7C0A-45C7-8969-E76EFE3E04AC}" type="datetimeFigureOut">
               <a:rPr lang="en-IN" smtClean="0"/>
-              <a:t>06-04-2022</a:t>
+              <a:t>01-05-2022</a:t>
             </a:fld>
             <a:endParaRPr lang="en-IN"/>
           </a:p>
@@ -2985,7 +2985,7 @@
         </p:nvSpPr>
         <p:spPr>
           <a:xfrm>
-            <a:off x="401983" y="259798"/>
+            <a:off x="401982" y="192461"/>
             <a:ext cx="9102035" cy="392415"/>
           </a:xfrm>
           <a:prstGeom prst="rect">
@@ -3000,13 +3000,21 @@
           <a:lstStyle/>
           <a:p>
             <a:pPr algn="ctr"/>
+            <a:r>
+              <a:rPr lang="en-IN" sz="1950" b="1" dirty="0" err="1">
+                <a:solidFill>
+                  <a:srgbClr val="0070C0"/>
+                </a:solidFill>
+              </a:rPr>
+              <a:t>FlyAway</a:t>
+            </a:r>
             <a:r>
               <a:rPr lang="en-IN" sz="1950" b="1" dirty="0">
                 <a:solidFill>
                   <a:srgbClr val="0070C0"/>
                 </a:solidFill>
               </a:rPr>
-              <a:t>Locked Me Flow Chart</a:t>
+              <a:t> Flow Chart</a:t>
             </a:r>
           </a:p>
         </p:txBody>
@@ -3025,8 +3033,8 @@
         </p:nvSpPr>
         <p:spPr>
           <a:xfrm>
-            <a:off x="1086679" y="2285371"/>
-            <a:ext cx="2147896" cy="876919"/>
+            <a:off x="1128646" y="1570554"/>
+            <a:ext cx="2147896" cy="598411"/>
           </a:xfrm>
           <a:prstGeom prst="rect">
             <a:avLst/>
@@ -3055,200 +3063,18 @@
             <a:pPr algn="ctr"/>
             <a:r>
               <a:rPr lang="en-IN" sz="1950" dirty="0"/>
-              <a:t>Display file names in ASC order</a:t>
-            </a:r>
-          </a:p>
-        </p:txBody>
-      </p:sp>
-      <p:sp>
-        <p:nvSpPr>
-          <p:cNvPr id="29" name="Rectangle 28">
-            <a:extLst>
-              <a:ext uri="{FF2B5EF4-FFF2-40B4-BE49-F238E27FC236}">
-                <a16:creationId xmlns:a16="http://schemas.microsoft.com/office/drawing/2014/main" id="{5F46F9EB-CCB3-4C61-9759-156E1198600E}"/>
-              </a:ext>
-            </a:extLst>
-          </p:cNvPr>
-          <p:cNvSpPr/>
-          <p:nvPr/>
-        </p:nvSpPr>
-        <p:spPr>
-          <a:xfrm>
-            <a:off x="2769704" y="5436105"/>
-            <a:ext cx="1184691" cy="416959"/>
-          </a:xfrm>
-          <a:prstGeom prst="rect">
-            <a:avLst/>
-          </a:prstGeom>
-        </p:spPr>
-        <p:style>
-          <a:lnRef idx="2">
-            <a:schemeClr val="accent1">
-              <a:shade val="50000"/>
-            </a:schemeClr>
-          </a:lnRef>
-          <a:fillRef idx="1">
-            <a:schemeClr val="accent1"/>
-          </a:fillRef>
-          <a:effectRef idx="0">
-            <a:schemeClr val="accent1"/>
-          </a:effectRef>
-          <a:fontRef idx="minor">
-            <a:schemeClr val="lt1"/>
-          </a:fontRef>
-        </p:style>
-        <p:txBody>
-          <a:bodyPr rtlCol="0" anchor="ctr"/>
-          <a:lstStyle/>
+              <a:t>Home</a:t>
+            </a:r>
+          </a:p>
           <a:p>
             <a:pPr algn="ctr"/>
             <a:r>
               <a:rPr lang="en-IN" sz="1950" dirty="0"/>
-              <a:t>Add file</a:t>
-            </a:r>
-          </a:p>
-        </p:txBody>
-      </p:sp>
-      <p:sp>
-        <p:nvSpPr>
-          <p:cNvPr id="30" name="Rectangle 29">
-            <a:extLst>
-              <a:ext uri="{FF2B5EF4-FFF2-40B4-BE49-F238E27FC236}">
-                <a16:creationId xmlns:a16="http://schemas.microsoft.com/office/drawing/2014/main" id="{B7971D37-956C-42D7-A2A5-4BA2A457C877}"/>
-              </a:ext>
-            </a:extLst>
-          </p:cNvPr>
-          <p:cNvSpPr/>
-          <p:nvPr/>
-        </p:nvSpPr>
-        <p:spPr>
-          <a:xfrm>
-            <a:off x="4416285" y="5424529"/>
-            <a:ext cx="1298714" cy="416960"/>
-          </a:xfrm>
-          <a:prstGeom prst="rect">
-            <a:avLst/>
-          </a:prstGeom>
-        </p:spPr>
-        <p:style>
-          <a:lnRef idx="2">
-            <a:schemeClr val="accent1">
-              <a:shade val="50000"/>
-            </a:schemeClr>
-          </a:lnRef>
-          <a:fillRef idx="1">
-            <a:schemeClr val="accent1"/>
-          </a:fillRef>
-          <a:effectRef idx="0">
-            <a:schemeClr val="accent1"/>
-          </a:effectRef>
-          <a:fontRef idx="minor">
-            <a:schemeClr val="lt1"/>
-          </a:fontRef>
-        </p:style>
-        <p:txBody>
-          <a:bodyPr rtlCol="0" anchor="ctr"/>
-          <a:lstStyle/>
-          <a:p>
-            <a:pPr algn="ctr"/>
-            <a:r>
-              <a:rPr lang="en-IN" sz="1950" dirty="0"/>
-              <a:t>Delete file</a:t>
-            </a:r>
-          </a:p>
-        </p:txBody>
-      </p:sp>
-      <p:sp>
-        <p:nvSpPr>
-          <p:cNvPr id="31" name="Rectangle 30">
-            <a:extLst>
-              <a:ext uri="{FF2B5EF4-FFF2-40B4-BE49-F238E27FC236}">
-                <a16:creationId xmlns:a16="http://schemas.microsoft.com/office/drawing/2014/main" id="{9A0E4E87-70D7-48F9-9AEB-F2E2C2CDA7F2}"/>
-              </a:ext>
-            </a:extLst>
-          </p:cNvPr>
-          <p:cNvSpPr/>
-          <p:nvPr/>
-        </p:nvSpPr>
-        <p:spPr>
-          <a:xfrm>
-            <a:off x="6169991" y="5436106"/>
-            <a:ext cx="1367645" cy="405383"/>
-          </a:xfrm>
-          <a:prstGeom prst="rect">
-            <a:avLst/>
-          </a:prstGeom>
-        </p:spPr>
-        <p:style>
-          <a:lnRef idx="2">
-            <a:schemeClr val="accent1">
-              <a:shade val="50000"/>
-            </a:schemeClr>
-          </a:lnRef>
-          <a:fillRef idx="1">
-            <a:schemeClr val="accent1"/>
-          </a:fillRef>
-          <a:effectRef idx="0">
-            <a:schemeClr val="accent1"/>
-          </a:effectRef>
-          <a:fontRef idx="minor">
-            <a:schemeClr val="lt1"/>
-          </a:fontRef>
-        </p:style>
-        <p:txBody>
-          <a:bodyPr rtlCol="0" anchor="ctr"/>
-          <a:lstStyle/>
-          <a:p>
-            <a:pPr algn="ctr"/>
-            <a:r>
-              <a:rPr lang="en-IN" sz="1950" dirty="0"/>
-              <a:t>Search file</a:t>
-            </a:r>
-          </a:p>
-        </p:txBody>
-      </p:sp>
-      <p:cxnSp>
-        <p:nvCxnSpPr>
-          <p:cNvPr id="35" name="Straight Arrow Connector 34">
-            <a:extLst>
-              <a:ext uri="{FF2B5EF4-FFF2-40B4-BE49-F238E27FC236}">
-                <a16:creationId xmlns:a16="http://schemas.microsoft.com/office/drawing/2014/main" id="{EFB02C08-B8AA-4E66-B855-2A33C407D5D7}"/>
-              </a:ext>
-            </a:extLst>
-          </p:cNvPr>
-          <p:cNvCxnSpPr>
-            <a:cxnSpLocks/>
-            <a:stCxn id="23" idx="2"/>
-          </p:cNvCxnSpPr>
-          <p:nvPr/>
-        </p:nvCxnSpPr>
-        <p:spPr>
-          <a:xfrm>
-            <a:off x="4985580" y="5071030"/>
-            <a:ext cx="0" cy="375615"/>
-          </a:xfrm>
-          <a:prstGeom prst="straightConnector1">
-            <a:avLst/>
-          </a:prstGeom>
-          <a:ln>
-            <a:tailEnd type="triangle"/>
-          </a:ln>
-        </p:spPr>
-        <p:style>
-          <a:lnRef idx="1">
-            <a:schemeClr val="accent1"/>
-          </a:lnRef>
-          <a:fillRef idx="0">
-            <a:schemeClr val="accent1"/>
-          </a:fillRef>
-          <a:effectRef idx="0">
-            <a:schemeClr val="accent1"/>
-          </a:effectRef>
-          <a:fontRef idx="minor">
-            <a:schemeClr val="tx1"/>
-          </a:fontRef>
-        </p:style>
-      </p:cxnSp>
+              <a:t>(Search Flights)</a:t>
+            </a:r>
+          </a:p>
+        </p:txBody>
+      </p:sp>
       <p:sp>
         <p:nvSpPr>
           <p:cNvPr id="6" name="Flowchart: Alternate Process 5">
@@ -3263,7 +3089,7 @@
         </p:nvSpPr>
         <p:spPr>
           <a:xfrm>
-            <a:off x="4081610" y="828401"/>
+            <a:off x="1312524" y="913193"/>
             <a:ext cx="1698479" cy="418212"/>
           </a:xfrm>
           <a:prstGeom prst="flowChartAlternateProcess">
@@ -3294,152 +3120,6 @@
             <a:r>
               <a:rPr lang="en-IN" sz="1950" dirty="0"/>
               <a:t>Start</a:t>
-            </a:r>
-          </a:p>
-        </p:txBody>
-      </p:sp>
-      <p:sp>
-        <p:nvSpPr>
-          <p:cNvPr id="8" name="Diamond 7">
-            <a:extLst>
-              <a:ext uri="{FF2B5EF4-FFF2-40B4-BE49-F238E27FC236}">
-                <a16:creationId xmlns:a16="http://schemas.microsoft.com/office/drawing/2014/main" id="{C4FA0EDE-D115-42AE-B214-053F56559E9B}"/>
-              </a:ext>
-            </a:extLst>
-          </p:cNvPr>
-          <p:cNvSpPr/>
-          <p:nvPr/>
-        </p:nvSpPr>
-        <p:spPr>
-          <a:xfrm>
-            <a:off x="3817180" y="2257185"/>
-            <a:ext cx="2253973" cy="905105"/>
-          </a:xfrm>
-          <a:prstGeom prst="diamond">
-            <a:avLst/>
-          </a:prstGeom>
-        </p:spPr>
-        <p:style>
-          <a:lnRef idx="2">
-            <a:schemeClr val="accent1">
-              <a:shade val="50000"/>
-            </a:schemeClr>
-          </a:lnRef>
-          <a:fillRef idx="1">
-            <a:schemeClr val="accent1"/>
-          </a:fillRef>
-          <a:effectRef idx="0">
-            <a:schemeClr val="accent1"/>
-          </a:effectRef>
-          <a:fontRef idx="minor">
-            <a:schemeClr val="lt1"/>
-          </a:fontRef>
-        </p:style>
-        <p:txBody>
-          <a:bodyPr rtlCol="0" anchor="ctr"/>
-          <a:lstStyle/>
-          <a:p>
-            <a:pPr algn="ctr"/>
-            <a:r>
-              <a:rPr lang="en-IN" sz="1950" dirty="0"/>
-              <a:t>User Options</a:t>
-            </a:r>
-          </a:p>
-        </p:txBody>
-      </p:sp>
-      <p:cxnSp>
-        <p:nvCxnSpPr>
-          <p:cNvPr id="13" name="Straight Arrow Connector 12">
-            <a:extLst>
-              <a:ext uri="{FF2B5EF4-FFF2-40B4-BE49-F238E27FC236}">
-                <a16:creationId xmlns:a16="http://schemas.microsoft.com/office/drawing/2014/main" id="{764454C5-D918-4D2B-8B13-3F1FC4D37BBD}"/>
-              </a:ext>
-            </a:extLst>
-          </p:cNvPr>
-          <p:cNvCxnSpPr>
-            <a:cxnSpLocks/>
-          </p:cNvCxnSpPr>
-          <p:nvPr/>
-        </p:nvCxnSpPr>
-        <p:spPr>
-          <a:xfrm>
-            <a:off x="4944167" y="2047526"/>
-            <a:ext cx="7179" cy="192093"/>
-          </a:xfrm>
-          <a:prstGeom prst="straightConnector1">
-            <a:avLst/>
-          </a:prstGeom>
-          <a:ln>
-            <a:tailEnd type="triangle"/>
-          </a:ln>
-        </p:spPr>
-        <p:style>
-          <a:lnRef idx="1">
-            <a:schemeClr val="accent1"/>
-          </a:lnRef>
-          <a:fillRef idx="0">
-            <a:schemeClr val="accent1"/>
-          </a:fillRef>
-          <a:effectRef idx="0">
-            <a:schemeClr val="accent1"/>
-          </a:effectRef>
-          <a:fontRef idx="minor">
-            <a:schemeClr val="tx1"/>
-          </a:fontRef>
-        </p:style>
-      </p:cxnSp>
-      <p:sp>
-        <p:nvSpPr>
-          <p:cNvPr id="18" name="Parallelogram 17">
-            <a:extLst>
-              <a:ext uri="{FF2B5EF4-FFF2-40B4-BE49-F238E27FC236}">
-                <a16:creationId xmlns:a16="http://schemas.microsoft.com/office/drawing/2014/main" id="{70A820F9-42A4-41B7-81FB-6FD68C536A26}"/>
-              </a:ext>
-            </a:extLst>
-          </p:cNvPr>
-          <p:cNvSpPr/>
-          <p:nvPr/>
-        </p:nvSpPr>
-        <p:spPr>
-          <a:xfrm>
-            <a:off x="4016516" y="1537071"/>
-            <a:ext cx="1938129" cy="520760"/>
-          </a:xfrm>
-          <a:prstGeom prst="parallelogram">
-            <a:avLst/>
-          </a:prstGeom>
-        </p:spPr>
-        <p:style>
-          <a:lnRef idx="2">
-            <a:schemeClr val="accent1">
-              <a:shade val="50000"/>
-            </a:schemeClr>
-          </a:lnRef>
-          <a:fillRef idx="1">
-            <a:schemeClr val="accent1"/>
-          </a:fillRef>
-          <a:effectRef idx="0">
-            <a:schemeClr val="accent1"/>
-          </a:effectRef>
-          <a:fontRef idx="minor">
-            <a:schemeClr val="lt1"/>
-          </a:fontRef>
-        </p:style>
-        <p:txBody>
-          <a:bodyPr rtlCol="0" anchor="ctr"/>
-          <a:lstStyle/>
-          <a:p>
-            <a:pPr algn="ctr"/>
-            <a:r>
-              <a:rPr lang="en-IN" dirty="0"/>
-              <a:t>Enter </a:t>
-            </a:r>
-          </a:p>
-          <a:p>
-            <a:pPr algn="ctr"/>
-            <a:r>
-              <a:rPr lang="en-IN" dirty="0"/>
-              <a:t>User Option</a:t>
             </a:r>
           </a:p>
         </p:txBody>
@@ -3460,8 +3140,278 @@
         </p:nvCxnSpPr>
         <p:spPr>
           <a:xfrm>
-            <a:off x="4931466" y="1281199"/>
+            <a:off x="2137469" y="1338462"/>
             <a:ext cx="0" cy="242777"/>
+          </a:xfrm>
+          <a:prstGeom prst="straightConnector1">
+            <a:avLst/>
+          </a:prstGeom>
+          <a:ln>
+            <a:tailEnd type="triangle"/>
+          </a:ln>
+        </p:spPr>
+        <p:style>
+          <a:lnRef idx="1">
+            <a:schemeClr val="accent1"/>
+          </a:lnRef>
+          <a:fillRef idx="0">
+            <a:schemeClr val="accent1"/>
+          </a:fillRef>
+          <a:effectRef idx="0">
+            <a:schemeClr val="accent1"/>
+          </a:effectRef>
+          <a:fontRef idx="minor">
+            <a:schemeClr val="tx1"/>
+          </a:fontRef>
+        </p:style>
+      </p:cxnSp>
+      <p:sp>
+        <p:nvSpPr>
+          <p:cNvPr id="37" name="Rectangle 36">
+            <a:extLst>
+              <a:ext uri="{FF2B5EF4-FFF2-40B4-BE49-F238E27FC236}">
+                <a16:creationId xmlns:a16="http://schemas.microsoft.com/office/drawing/2014/main" id="{20C9F64C-DF0A-F2A6-1B1B-EE6A549692A4}"/>
+              </a:ext>
+            </a:extLst>
+          </p:cNvPr>
+          <p:cNvSpPr/>
+          <p:nvPr/>
+        </p:nvSpPr>
+        <p:spPr>
+          <a:xfrm>
+            <a:off x="1050240" y="2400337"/>
+            <a:ext cx="2171143" cy="392415"/>
+          </a:xfrm>
+          <a:prstGeom prst="rect">
+            <a:avLst/>
+          </a:prstGeom>
+        </p:spPr>
+        <p:style>
+          <a:lnRef idx="2">
+            <a:schemeClr val="accent1">
+              <a:shade val="50000"/>
+            </a:schemeClr>
+          </a:lnRef>
+          <a:fillRef idx="1">
+            <a:schemeClr val="accent1"/>
+          </a:fillRef>
+          <a:effectRef idx="0">
+            <a:schemeClr val="accent1"/>
+          </a:effectRef>
+          <a:fontRef idx="minor">
+            <a:schemeClr val="lt1"/>
+          </a:fontRef>
+        </p:style>
+        <p:txBody>
+          <a:bodyPr rtlCol="0" anchor="ctr"/>
+          <a:lstStyle/>
+          <a:p>
+            <a:pPr algn="ctr"/>
+            <a:r>
+              <a:rPr lang="en-IN" sz="1950" dirty="0"/>
+              <a:t>Search Results</a:t>
+            </a:r>
+          </a:p>
+        </p:txBody>
+      </p:sp>
+      <p:cxnSp>
+        <p:nvCxnSpPr>
+          <p:cNvPr id="38" name="Straight Arrow Connector 37">
+            <a:extLst>
+              <a:ext uri="{FF2B5EF4-FFF2-40B4-BE49-F238E27FC236}">
+                <a16:creationId xmlns:a16="http://schemas.microsoft.com/office/drawing/2014/main" id="{233EE6C3-7B31-C4A4-AE27-BF8E38AF7778}"/>
+              </a:ext>
+            </a:extLst>
+          </p:cNvPr>
+          <p:cNvCxnSpPr>
+            <a:cxnSpLocks/>
+          </p:cNvCxnSpPr>
+          <p:nvPr/>
+        </p:nvCxnSpPr>
+        <p:spPr>
+          <a:xfrm>
+            <a:off x="2135812" y="2168965"/>
+            <a:ext cx="0" cy="242777"/>
+          </a:xfrm>
+          <a:prstGeom prst="straightConnector1">
+            <a:avLst/>
+          </a:prstGeom>
+          <a:ln>
+            <a:tailEnd type="triangle"/>
+          </a:ln>
+        </p:spPr>
+        <p:style>
+          <a:lnRef idx="1">
+            <a:schemeClr val="accent1"/>
+          </a:lnRef>
+          <a:fillRef idx="0">
+            <a:schemeClr val="accent1"/>
+          </a:fillRef>
+          <a:effectRef idx="0">
+            <a:schemeClr val="accent1"/>
+          </a:effectRef>
+          <a:fontRef idx="minor">
+            <a:schemeClr val="tx1"/>
+          </a:fontRef>
+        </p:style>
+      </p:cxnSp>
+      <p:sp>
+        <p:nvSpPr>
+          <p:cNvPr id="41" name="Rectangle 40">
+            <a:extLst>
+              <a:ext uri="{FF2B5EF4-FFF2-40B4-BE49-F238E27FC236}">
+                <a16:creationId xmlns:a16="http://schemas.microsoft.com/office/drawing/2014/main" id="{04B1EC88-4D93-FB07-2321-60A03C41FEE2}"/>
+              </a:ext>
+            </a:extLst>
+          </p:cNvPr>
+          <p:cNvSpPr/>
+          <p:nvPr/>
+        </p:nvSpPr>
+        <p:spPr>
+          <a:xfrm>
+            <a:off x="1105399" y="3665297"/>
+            <a:ext cx="2171143" cy="392415"/>
+          </a:xfrm>
+          <a:prstGeom prst="rect">
+            <a:avLst/>
+          </a:prstGeom>
+        </p:spPr>
+        <p:style>
+          <a:lnRef idx="2">
+            <a:schemeClr val="accent1">
+              <a:shade val="50000"/>
+            </a:schemeClr>
+          </a:lnRef>
+          <a:fillRef idx="1">
+            <a:schemeClr val="accent1"/>
+          </a:fillRef>
+          <a:effectRef idx="0">
+            <a:schemeClr val="accent1"/>
+          </a:effectRef>
+          <a:fontRef idx="minor">
+            <a:schemeClr val="lt1"/>
+          </a:fontRef>
+        </p:style>
+        <p:txBody>
+          <a:bodyPr rtlCol="0" anchor="ctr"/>
+          <a:lstStyle/>
+          <a:p>
+            <a:pPr algn="ctr"/>
+            <a:r>
+              <a:rPr lang="en-IN" sz="1950" dirty="0"/>
+              <a:t>Search Results</a:t>
+            </a:r>
+          </a:p>
+        </p:txBody>
+      </p:sp>
+      <p:cxnSp>
+        <p:nvCxnSpPr>
+          <p:cNvPr id="42" name="Straight Arrow Connector 41">
+            <a:extLst>
+              <a:ext uri="{FF2B5EF4-FFF2-40B4-BE49-F238E27FC236}">
+                <a16:creationId xmlns:a16="http://schemas.microsoft.com/office/drawing/2014/main" id="{AE451CB1-3E90-CE46-3644-4072D658832F}"/>
+              </a:ext>
+            </a:extLst>
+          </p:cNvPr>
+          <p:cNvCxnSpPr>
+            <a:cxnSpLocks/>
+          </p:cNvCxnSpPr>
+          <p:nvPr/>
+        </p:nvCxnSpPr>
+        <p:spPr>
+          <a:xfrm>
+            <a:off x="2190970" y="2804157"/>
+            <a:ext cx="0" cy="242777"/>
+          </a:xfrm>
+          <a:prstGeom prst="straightConnector1">
+            <a:avLst/>
+          </a:prstGeom>
+          <a:ln>
+            <a:tailEnd type="triangle"/>
+          </a:ln>
+        </p:spPr>
+        <p:style>
+          <a:lnRef idx="1">
+            <a:schemeClr val="accent1"/>
+          </a:lnRef>
+          <a:fillRef idx="0">
+            <a:schemeClr val="accent1"/>
+          </a:fillRef>
+          <a:effectRef idx="0">
+            <a:schemeClr val="accent1"/>
+          </a:effectRef>
+          <a:fontRef idx="minor">
+            <a:schemeClr val="tx1"/>
+          </a:fontRef>
+        </p:style>
+      </p:cxnSp>
+      <p:sp>
+        <p:nvSpPr>
+          <p:cNvPr id="43" name="Rectangle 42">
+            <a:extLst>
+              <a:ext uri="{FF2B5EF4-FFF2-40B4-BE49-F238E27FC236}">
+                <a16:creationId xmlns:a16="http://schemas.microsoft.com/office/drawing/2014/main" id="{007C3897-9275-E62D-D156-7C81CDA83F80}"/>
+              </a:ext>
+            </a:extLst>
+          </p:cNvPr>
+          <p:cNvSpPr/>
+          <p:nvPr/>
+        </p:nvSpPr>
+        <p:spPr>
+          <a:xfrm>
+            <a:off x="1117022" y="4301453"/>
+            <a:ext cx="2171143" cy="392415"/>
+          </a:xfrm>
+          <a:prstGeom prst="rect">
+            <a:avLst/>
+          </a:prstGeom>
+        </p:spPr>
+        <p:style>
+          <a:lnRef idx="2">
+            <a:schemeClr val="accent1">
+              <a:shade val="50000"/>
+            </a:schemeClr>
+          </a:lnRef>
+          <a:fillRef idx="1">
+            <a:schemeClr val="accent1"/>
+          </a:fillRef>
+          <a:effectRef idx="0">
+            <a:schemeClr val="accent1"/>
+          </a:effectRef>
+          <a:fontRef idx="minor">
+            <a:schemeClr val="lt1"/>
+          </a:fontRef>
+        </p:style>
+        <p:txBody>
+          <a:bodyPr rtlCol="0" anchor="ctr"/>
+          <a:lstStyle/>
+          <a:p>
+            <a:pPr algn="ctr"/>
+            <a:r>
+              <a:rPr lang="en-IN" sz="1950" dirty="0"/>
+              <a:t>Search Results</a:t>
+            </a:r>
+          </a:p>
+        </p:txBody>
+      </p:sp>
+      <p:cxnSp>
+        <p:nvCxnSpPr>
+          <p:cNvPr id="44" name="Straight Arrow Connector 43">
+            <a:extLst>
+              <a:ext uri="{FF2B5EF4-FFF2-40B4-BE49-F238E27FC236}">
+                <a16:creationId xmlns:a16="http://schemas.microsoft.com/office/drawing/2014/main" id="{FCB90C34-20B9-234A-B40E-52A49F2B9985}"/>
+              </a:ext>
+            </a:extLst>
+          </p:cNvPr>
+          <p:cNvCxnSpPr>
+            <a:cxnSpLocks/>
+          </p:cNvCxnSpPr>
+          <p:nvPr/>
+        </p:nvCxnSpPr>
+        <p:spPr>
+          <a:xfrm>
+            <a:off x="2288212" y="2321365"/>
+            <a:ext cx="17667" cy="223053"/>
           </a:xfrm>
           <a:prstGeom prst="straightConnector1">
             <a:avLst/>
@@ -3487,10 +3437,10 @@
       </p:cxnSp>
       <p:cxnSp>
         <p:nvCxnSpPr>
-          <p:cNvPr id="33" name="Straight Arrow Connector 32">
+          <p:cNvPr id="45" name="Straight Arrow Connector 44">
             <a:extLst>
               <a:ext uri="{FF2B5EF4-FFF2-40B4-BE49-F238E27FC236}">
-                <a16:creationId xmlns:a16="http://schemas.microsoft.com/office/drawing/2014/main" id="{FE65DB58-13A3-4EB0-83A6-6CDB43C70D41}"/>
+                <a16:creationId xmlns:a16="http://schemas.microsoft.com/office/drawing/2014/main" id="{6364A68F-1F18-3F6A-5A93-BA7B14692ED5}"/>
               </a:ext>
             </a:extLst>
           </p:cNvPr>
@@ -3501,8 +3451,8 @@
         </p:nvCxnSpPr>
         <p:spPr>
           <a:xfrm>
-            <a:off x="4951346" y="3952104"/>
-            <a:ext cx="12702" cy="193515"/>
+            <a:off x="2187075" y="3422520"/>
+            <a:ext cx="0" cy="242777"/>
           </a:xfrm>
           <a:prstGeom prst="straightConnector1">
             <a:avLst/>
@@ -3510,251 +3460,6 @@
           <a:ln>
             <a:tailEnd type="triangle"/>
           </a:ln>
-        </p:spPr>
-        <p:style>
-          <a:lnRef idx="1">
-            <a:schemeClr val="accent1"/>
-          </a:lnRef>
-          <a:fillRef idx="0">
-            <a:schemeClr val="accent1"/>
-          </a:fillRef>
-          <a:effectRef idx="0">
-            <a:schemeClr val="accent1"/>
-          </a:effectRef>
-          <a:fontRef idx="minor">
-            <a:schemeClr val="tx1"/>
-          </a:fontRef>
-        </p:style>
-      </p:cxnSp>
-      <p:sp>
-        <p:nvSpPr>
-          <p:cNvPr id="34" name="Parallelogram 33">
-            <a:extLst>
-              <a:ext uri="{FF2B5EF4-FFF2-40B4-BE49-F238E27FC236}">
-                <a16:creationId xmlns:a16="http://schemas.microsoft.com/office/drawing/2014/main" id="{171ECCE3-8562-4387-816D-8ABC22886655}"/>
-              </a:ext>
-            </a:extLst>
-          </p:cNvPr>
-          <p:cNvSpPr/>
-          <p:nvPr/>
-        </p:nvSpPr>
-        <p:spPr>
-          <a:xfrm>
-            <a:off x="3858593" y="3371494"/>
-            <a:ext cx="2253973" cy="582973"/>
-          </a:xfrm>
-          <a:prstGeom prst="parallelogram">
-            <a:avLst/>
-          </a:prstGeom>
-        </p:spPr>
-        <p:style>
-          <a:lnRef idx="2">
-            <a:schemeClr val="accent1">
-              <a:shade val="50000"/>
-            </a:schemeClr>
-          </a:lnRef>
-          <a:fillRef idx="1">
-            <a:schemeClr val="accent1"/>
-          </a:fillRef>
-          <a:effectRef idx="0">
-            <a:schemeClr val="accent1"/>
-          </a:effectRef>
-          <a:fontRef idx="minor">
-            <a:schemeClr val="lt1"/>
-          </a:fontRef>
-        </p:style>
-        <p:txBody>
-          <a:bodyPr rtlCol="0" anchor="ctr"/>
-          <a:lstStyle/>
-          <a:p>
-            <a:pPr algn="ctr"/>
-            <a:r>
-              <a:rPr lang="en-IN" dirty="0"/>
-              <a:t>Enter </a:t>
-            </a:r>
-          </a:p>
-          <a:p>
-            <a:pPr algn="ctr"/>
-            <a:r>
-              <a:rPr lang="en-IN" dirty="0"/>
-              <a:t>Business Option</a:t>
-            </a:r>
-          </a:p>
-        </p:txBody>
-      </p:sp>
-      <p:cxnSp>
-        <p:nvCxnSpPr>
-          <p:cNvPr id="36" name="Straight Arrow Connector 35">
-            <a:extLst>
-              <a:ext uri="{FF2B5EF4-FFF2-40B4-BE49-F238E27FC236}">
-                <a16:creationId xmlns:a16="http://schemas.microsoft.com/office/drawing/2014/main" id="{B188BEB1-70D3-4C81-BDF7-EF37132EED43}"/>
-              </a:ext>
-            </a:extLst>
-          </p:cNvPr>
-          <p:cNvCxnSpPr>
-            <a:cxnSpLocks/>
-            <a:endCxn id="34" idx="0"/>
-          </p:cNvCxnSpPr>
-          <p:nvPr/>
-        </p:nvCxnSpPr>
-        <p:spPr>
-          <a:xfrm>
-            <a:off x="4951346" y="3010609"/>
-            <a:ext cx="34234" cy="360885"/>
-          </a:xfrm>
-          <a:prstGeom prst="straightConnector1">
-            <a:avLst/>
-          </a:prstGeom>
-          <a:ln>
-            <a:tailEnd type="triangle"/>
-          </a:ln>
-        </p:spPr>
-        <p:style>
-          <a:lnRef idx="1">
-            <a:schemeClr val="accent1"/>
-          </a:lnRef>
-          <a:fillRef idx="0">
-            <a:schemeClr val="accent1"/>
-          </a:fillRef>
-          <a:effectRef idx="0">
-            <a:schemeClr val="accent1"/>
-          </a:effectRef>
-          <a:fontRef idx="minor">
-            <a:schemeClr val="tx1"/>
-          </a:fontRef>
-        </p:style>
-      </p:cxnSp>
-      <p:sp>
-        <p:nvSpPr>
-          <p:cNvPr id="23" name="Diamond 22">
-            <a:extLst>
-              <a:ext uri="{FF2B5EF4-FFF2-40B4-BE49-F238E27FC236}">
-                <a16:creationId xmlns:a16="http://schemas.microsoft.com/office/drawing/2014/main" id="{10229E91-14DF-49B4-9B42-9BE9F39E0BF4}"/>
-              </a:ext>
-            </a:extLst>
-          </p:cNvPr>
-          <p:cNvSpPr/>
-          <p:nvPr/>
-        </p:nvSpPr>
-        <p:spPr>
-          <a:xfrm>
-            <a:off x="3858594" y="4131340"/>
-            <a:ext cx="2253972" cy="939690"/>
-          </a:xfrm>
-          <a:prstGeom prst="diamond">
-            <a:avLst/>
-          </a:prstGeom>
-        </p:spPr>
-        <p:style>
-          <a:lnRef idx="2">
-            <a:schemeClr val="accent1">
-              <a:shade val="50000"/>
-            </a:schemeClr>
-          </a:lnRef>
-          <a:fillRef idx="1">
-            <a:schemeClr val="accent1"/>
-          </a:fillRef>
-          <a:effectRef idx="0">
-            <a:schemeClr val="accent1"/>
-          </a:effectRef>
-          <a:fontRef idx="minor">
-            <a:schemeClr val="lt1"/>
-          </a:fontRef>
-        </p:style>
-        <p:txBody>
-          <a:bodyPr rtlCol="0" anchor="ctr"/>
-          <a:lstStyle/>
-          <a:p>
-            <a:pPr algn="ctr"/>
-            <a:r>
-              <a:rPr lang="en-IN" dirty="0"/>
-              <a:t>Business</a:t>
-            </a:r>
-          </a:p>
-          <a:p>
-            <a:pPr algn="ctr"/>
-            <a:r>
-              <a:rPr lang="en-IN" dirty="0"/>
-              <a:t>Options</a:t>
-            </a:r>
-          </a:p>
-        </p:txBody>
-      </p:sp>
-      <p:sp>
-        <p:nvSpPr>
-          <p:cNvPr id="66" name="Rectangle: Rounded Corners 65">
-            <a:extLst>
-              <a:ext uri="{FF2B5EF4-FFF2-40B4-BE49-F238E27FC236}">
-                <a16:creationId xmlns:a16="http://schemas.microsoft.com/office/drawing/2014/main" id="{F69D2F6E-F61C-4606-A4A5-DB326205EFF9}"/>
-              </a:ext>
-            </a:extLst>
-          </p:cNvPr>
-          <p:cNvSpPr/>
-          <p:nvPr/>
-        </p:nvSpPr>
-        <p:spPr>
-          <a:xfrm>
-            <a:off x="7155142" y="2508303"/>
-            <a:ext cx="1298713" cy="416961"/>
-          </a:xfrm>
-          <a:prstGeom prst="roundRect">
-            <a:avLst/>
-          </a:prstGeom>
-        </p:spPr>
-        <p:style>
-          <a:lnRef idx="2">
-            <a:schemeClr val="accent1">
-              <a:shade val="50000"/>
-            </a:schemeClr>
-          </a:lnRef>
-          <a:fillRef idx="1">
-            <a:schemeClr val="accent1"/>
-          </a:fillRef>
-          <a:effectRef idx="0">
-            <a:schemeClr val="accent1"/>
-          </a:effectRef>
-          <a:fontRef idx="minor">
-            <a:schemeClr val="lt1"/>
-          </a:fontRef>
-        </p:style>
-        <p:txBody>
-          <a:bodyPr rtlCol="0" anchor="ctr"/>
-          <a:lstStyle/>
-          <a:p>
-            <a:pPr algn="ctr"/>
-            <a:r>
-              <a:rPr lang="en-IN" dirty="0"/>
-              <a:t>Stop</a:t>
-            </a:r>
-          </a:p>
-        </p:txBody>
-      </p:sp>
-      <p:cxnSp>
-        <p:nvCxnSpPr>
-          <p:cNvPr id="74" name="Connector: Elbow 73">
-            <a:extLst>
-              <a:ext uri="{FF2B5EF4-FFF2-40B4-BE49-F238E27FC236}">
-                <a16:creationId xmlns:a16="http://schemas.microsoft.com/office/drawing/2014/main" id="{8C1D3752-F876-4E4A-A7AE-71818A7819F7}"/>
-              </a:ext>
-            </a:extLst>
-          </p:cNvPr>
-          <p:cNvCxnSpPr>
-            <a:cxnSpLocks/>
-            <a:stCxn id="29" idx="2"/>
-            <a:endCxn id="31" idx="2"/>
-          </p:cNvCxnSpPr>
-          <p:nvPr/>
-        </p:nvCxnSpPr>
-        <p:spPr>
-          <a:xfrm rot="5400000" flipH="1" flipV="1">
-            <a:off x="5102144" y="4101395"/>
-            <a:ext cx="11575" cy="3491764"/>
-          </a:xfrm>
-          <a:prstGeom prst="bentConnector3">
-            <a:avLst>
-              <a:gd name="adj1" fmla="val -1974946"/>
-            </a:avLst>
-          </a:prstGeom>
         </p:spPr>
         <p:style>
           <a:lnRef idx="1">
@@ -3773,30 +3478,560 @@
       </p:cxnSp>
       <p:cxnSp>
         <p:nvCxnSpPr>
-          <p:cNvPr id="93" name="Connector: Elbow 92">
+          <p:cNvPr id="46" name="Straight Arrow Connector 45">
             <a:extLst>
               <a:ext uri="{FF2B5EF4-FFF2-40B4-BE49-F238E27FC236}">
-                <a16:creationId xmlns:a16="http://schemas.microsoft.com/office/drawing/2014/main" id="{F10CECF6-B131-4981-8C65-7F1F974E9C70}"/>
+                <a16:creationId xmlns:a16="http://schemas.microsoft.com/office/drawing/2014/main" id="{B840C530-BD36-499E-7588-186C7C8C9891}"/>
               </a:ext>
             </a:extLst>
           </p:cNvPr>
           <p:cNvCxnSpPr>
             <a:cxnSpLocks/>
-            <a:stCxn id="29" idx="0"/>
-            <a:endCxn id="31" idx="0"/>
           </p:cNvCxnSpPr>
           <p:nvPr/>
         </p:nvCxnSpPr>
         <p:spPr>
-          <a:xfrm rot="16200000" flipH="1">
-            <a:off x="5107931" y="3690223"/>
-            <a:ext cx="1" cy="3491764"/>
-          </a:xfrm>
-          <a:prstGeom prst="bentConnector3">
-            <a:avLst>
-              <a:gd name="adj1" fmla="val -22860000000"/>
-            </a:avLst>
+          <a:xfrm>
+            <a:off x="2223053" y="4058676"/>
+            <a:ext cx="0" cy="242777"/>
+          </a:xfrm>
+          <a:prstGeom prst="straightConnector1">
+            <a:avLst/>
           </a:prstGeom>
+          <a:ln>
+            <a:tailEnd type="triangle"/>
+          </a:ln>
+        </p:spPr>
+        <p:style>
+          <a:lnRef idx="1">
+            <a:schemeClr val="accent1"/>
+          </a:lnRef>
+          <a:fillRef idx="0">
+            <a:schemeClr val="accent1"/>
+          </a:fillRef>
+          <a:effectRef idx="0">
+            <a:schemeClr val="accent1"/>
+          </a:effectRef>
+          <a:fontRef idx="minor">
+            <a:schemeClr val="tx1"/>
+          </a:fontRef>
+        </p:style>
+      </p:cxnSp>
+      <p:sp>
+        <p:nvSpPr>
+          <p:cNvPr id="10" name="Parallelogram 9">
+            <a:extLst>
+              <a:ext uri="{FF2B5EF4-FFF2-40B4-BE49-F238E27FC236}">
+                <a16:creationId xmlns:a16="http://schemas.microsoft.com/office/drawing/2014/main" id="{EE3DAAC3-BE58-7357-6954-C2F02E61A61E}"/>
+              </a:ext>
+            </a:extLst>
+          </p:cNvPr>
+          <p:cNvSpPr/>
+          <p:nvPr/>
+        </p:nvSpPr>
+        <p:spPr>
+          <a:xfrm>
+            <a:off x="1050241" y="3046934"/>
+            <a:ext cx="2223047" cy="364181"/>
+          </a:xfrm>
+          <a:prstGeom prst="parallelogram">
+            <a:avLst/>
+          </a:prstGeom>
+        </p:spPr>
+        <p:style>
+          <a:lnRef idx="2">
+            <a:schemeClr val="accent1">
+              <a:shade val="50000"/>
+            </a:schemeClr>
+          </a:lnRef>
+          <a:fillRef idx="1">
+            <a:schemeClr val="accent1"/>
+          </a:fillRef>
+          <a:effectRef idx="0">
+            <a:schemeClr val="accent1"/>
+          </a:effectRef>
+          <a:fontRef idx="minor">
+            <a:schemeClr val="lt1"/>
+          </a:fontRef>
+        </p:style>
+        <p:txBody>
+          <a:bodyPr rtlCol="0" anchor="ctr"/>
+          <a:lstStyle/>
+          <a:p>
+            <a:pPr algn="ctr"/>
+            <a:r>
+              <a:rPr lang="en-IN" dirty="0"/>
+              <a:t>User Registration</a:t>
+            </a:r>
+          </a:p>
+        </p:txBody>
+      </p:sp>
+      <p:cxnSp>
+        <p:nvCxnSpPr>
+          <p:cNvPr id="47" name="Straight Arrow Connector 46">
+            <a:extLst>
+              <a:ext uri="{FF2B5EF4-FFF2-40B4-BE49-F238E27FC236}">
+                <a16:creationId xmlns:a16="http://schemas.microsoft.com/office/drawing/2014/main" id="{EFA03CD5-0F00-9438-1C39-63514A15D3FB}"/>
+              </a:ext>
+            </a:extLst>
+          </p:cNvPr>
+          <p:cNvCxnSpPr>
+            <a:cxnSpLocks/>
+          </p:cNvCxnSpPr>
+          <p:nvPr/>
+        </p:nvCxnSpPr>
+        <p:spPr>
+          <a:xfrm>
+            <a:off x="2184317" y="4693868"/>
+            <a:ext cx="0" cy="242777"/>
+          </a:xfrm>
+          <a:prstGeom prst="straightConnector1">
+            <a:avLst/>
+          </a:prstGeom>
+          <a:ln>
+            <a:tailEnd type="triangle"/>
+          </a:ln>
+        </p:spPr>
+        <p:style>
+          <a:lnRef idx="1">
+            <a:schemeClr val="accent1"/>
+          </a:lnRef>
+          <a:fillRef idx="0">
+            <a:schemeClr val="accent1"/>
+          </a:fillRef>
+          <a:effectRef idx="0">
+            <a:schemeClr val="accent1"/>
+          </a:effectRef>
+          <a:fontRef idx="minor">
+            <a:schemeClr val="tx1"/>
+          </a:fontRef>
+        </p:style>
+      </p:cxnSp>
+      <p:sp>
+        <p:nvSpPr>
+          <p:cNvPr id="48" name="Flowchart: Alternate Process 47">
+            <a:extLst>
+              <a:ext uri="{FF2B5EF4-FFF2-40B4-BE49-F238E27FC236}">
+                <a16:creationId xmlns:a16="http://schemas.microsoft.com/office/drawing/2014/main" id="{B144DF73-411E-3E7E-484B-D39A5B001470}"/>
+              </a:ext>
+            </a:extLst>
+          </p:cNvPr>
+          <p:cNvSpPr/>
+          <p:nvPr/>
+        </p:nvSpPr>
+        <p:spPr>
+          <a:xfrm>
+            <a:off x="1335077" y="4925240"/>
+            <a:ext cx="1698479" cy="418212"/>
+          </a:xfrm>
+          <a:prstGeom prst="flowChartAlternateProcess">
+            <a:avLst/>
+          </a:prstGeom>
+        </p:spPr>
+        <p:style>
+          <a:lnRef idx="2">
+            <a:schemeClr val="accent1">
+              <a:shade val="50000"/>
+            </a:schemeClr>
+          </a:lnRef>
+          <a:fillRef idx="1">
+            <a:schemeClr val="accent1"/>
+          </a:fillRef>
+          <a:effectRef idx="0">
+            <a:schemeClr val="accent1"/>
+          </a:effectRef>
+          <a:fontRef idx="minor">
+            <a:schemeClr val="lt1"/>
+          </a:fontRef>
+        </p:style>
+        <p:txBody>
+          <a:bodyPr rtlCol="0" anchor="ctr"/>
+          <a:lstStyle/>
+          <a:p>
+            <a:pPr algn="ctr"/>
+            <a:r>
+              <a:rPr lang="en-IN" sz="1950" dirty="0"/>
+              <a:t>Stop</a:t>
+            </a:r>
+          </a:p>
+        </p:txBody>
+      </p:sp>
+      <p:sp>
+        <p:nvSpPr>
+          <p:cNvPr id="51" name="Rectangle 50">
+            <a:extLst>
+              <a:ext uri="{FF2B5EF4-FFF2-40B4-BE49-F238E27FC236}">
+                <a16:creationId xmlns:a16="http://schemas.microsoft.com/office/drawing/2014/main" id="{263E9CCD-F541-3948-9924-E3559E2CA930}"/>
+              </a:ext>
+            </a:extLst>
+          </p:cNvPr>
+          <p:cNvSpPr/>
+          <p:nvPr/>
+        </p:nvSpPr>
+        <p:spPr>
+          <a:xfrm>
+            <a:off x="4758637" y="2348210"/>
+            <a:ext cx="2171143" cy="392415"/>
+          </a:xfrm>
+          <a:prstGeom prst="rect">
+            <a:avLst/>
+          </a:prstGeom>
+        </p:spPr>
+        <p:style>
+          <a:lnRef idx="2">
+            <a:schemeClr val="accent1">
+              <a:shade val="50000"/>
+            </a:schemeClr>
+          </a:lnRef>
+          <a:fillRef idx="1">
+            <a:schemeClr val="accent1"/>
+          </a:fillRef>
+          <a:effectRef idx="0">
+            <a:schemeClr val="accent1"/>
+          </a:effectRef>
+          <a:fontRef idx="minor">
+            <a:schemeClr val="lt1"/>
+          </a:fontRef>
+        </p:style>
+        <p:txBody>
+          <a:bodyPr rtlCol="0" anchor="ctr"/>
+          <a:lstStyle/>
+          <a:p>
+            <a:pPr algn="ctr"/>
+            <a:r>
+              <a:rPr lang="en-IN" sz="1950" dirty="0"/>
+              <a:t>Admin Page</a:t>
+            </a:r>
+          </a:p>
+        </p:txBody>
+      </p:sp>
+      <p:sp>
+        <p:nvSpPr>
+          <p:cNvPr id="54" name="Parallelogram 53">
+            <a:extLst>
+              <a:ext uri="{FF2B5EF4-FFF2-40B4-BE49-F238E27FC236}">
+                <a16:creationId xmlns:a16="http://schemas.microsoft.com/office/drawing/2014/main" id="{57FC35D6-3FDE-C954-8FD9-4BCBE634EB26}"/>
+              </a:ext>
+            </a:extLst>
+          </p:cNvPr>
+          <p:cNvSpPr/>
+          <p:nvPr/>
+        </p:nvSpPr>
+        <p:spPr>
+          <a:xfrm>
+            <a:off x="4758637" y="1696778"/>
+            <a:ext cx="2223047" cy="364181"/>
+          </a:xfrm>
+          <a:prstGeom prst="parallelogram">
+            <a:avLst/>
+          </a:prstGeom>
+        </p:spPr>
+        <p:style>
+          <a:lnRef idx="2">
+            <a:schemeClr val="accent1">
+              <a:shade val="50000"/>
+            </a:schemeClr>
+          </a:lnRef>
+          <a:fillRef idx="1">
+            <a:schemeClr val="accent1"/>
+          </a:fillRef>
+          <a:effectRef idx="0">
+            <a:schemeClr val="accent1"/>
+          </a:effectRef>
+          <a:fontRef idx="minor">
+            <a:schemeClr val="lt1"/>
+          </a:fontRef>
+        </p:style>
+        <p:txBody>
+          <a:bodyPr rtlCol="0" anchor="ctr"/>
+          <a:lstStyle/>
+          <a:p>
+            <a:pPr algn="ctr"/>
+            <a:r>
+              <a:rPr lang="en-IN" dirty="0"/>
+              <a:t>Admin Login</a:t>
+            </a:r>
+          </a:p>
+        </p:txBody>
+      </p:sp>
+      <p:sp>
+        <p:nvSpPr>
+          <p:cNvPr id="55" name="Rectangle 54">
+            <a:extLst>
+              <a:ext uri="{FF2B5EF4-FFF2-40B4-BE49-F238E27FC236}">
+                <a16:creationId xmlns:a16="http://schemas.microsoft.com/office/drawing/2014/main" id="{BC5DA569-D09C-E650-2D62-D0F1DFE0499E}"/>
+              </a:ext>
+            </a:extLst>
+          </p:cNvPr>
+          <p:cNvSpPr/>
+          <p:nvPr/>
+        </p:nvSpPr>
+        <p:spPr>
+          <a:xfrm>
+            <a:off x="8549271" y="3537044"/>
+            <a:ext cx="1159566" cy="546250"/>
+          </a:xfrm>
+          <a:prstGeom prst="rect">
+            <a:avLst/>
+          </a:prstGeom>
+        </p:spPr>
+        <p:style>
+          <a:lnRef idx="2">
+            <a:schemeClr val="accent1">
+              <a:shade val="50000"/>
+            </a:schemeClr>
+          </a:lnRef>
+          <a:fillRef idx="1">
+            <a:schemeClr val="accent1"/>
+          </a:fillRef>
+          <a:effectRef idx="0">
+            <a:schemeClr val="accent1"/>
+          </a:effectRef>
+          <a:fontRef idx="minor">
+            <a:schemeClr val="lt1"/>
+          </a:fontRef>
+        </p:style>
+        <p:txBody>
+          <a:bodyPr rtlCol="0" anchor="ctr"/>
+          <a:lstStyle/>
+          <a:p>
+            <a:pPr algn="ctr"/>
+            <a:r>
+              <a:rPr lang="en-IN" sz="1950" dirty="0"/>
+              <a:t>Airline CRUD</a:t>
+            </a:r>
+          </a:p>
+        </p:txBody>
+      </p:sp>
+      <p:sp>
+        <p:nvSpPr>
+          <p:cNvPr id="56" name="Rectangle 55">
+            <a:extLst>
+              <a:ext uri="{FF2B5EF4-FFF2-40B4-BE49-F238E27FC236}">
+                <a16:creationId xmlns:a16="http://schemas.microsoft.com/office/drawing/2014/main" id="{938BBD74-07DE-FF19-1B05-EDC12A766897}"/>
+              </a:ext>
+            </a:extLst>
+          </p:cNvPr>
+          <p:cNvSpPr/>
+          <p:nvPr/>
+        </p:nvSpPr>
+        <p:spPr>
+          <a:xfrm>
+            <a:off x="3710054" y="3548713"/>
+            <a:ext cx="1368284" cy="581442"/>
+          </a:xfrm>
+          <a:prstGeom prst="rect">
+            <a:avLst/>
+          </a:prstGeom>
+        </p:spPr>
+        <p:style>
+          <a:lnRef idx="2">
+            <a:schemeClr val="accent1">
+              <a:shade val="50000"/>
+            </a:schemeClr>
+          </a:lnRef>
+          <a:fillRef idx="1">
+            <a:schemeClr val="accent1"/>
+          </a:fillRef>
+          <a:effectRef idx="0">
+            <a:schemeClr val="accent1"/>
+          </a:effectRef>
+          <a:fontRef idx="minor">
+            <a:schemeClr val="lt1"/>
+          </a:fontRef>
+        </p:style>
+        <p:txBody>
+          <a:bodyPr rtlCol="0" anchor="ctr"/>
+          <a:lstStyle/>
+          <a:p>
+            <a:pPr algn="ctr"/>
+            <a:r>
+              <a:rPr lang="en-IN" sz="1950" dirty="0"/>
+              <a:t>Flight CRUD</a:t>
+            </a:r>
+          </a:p>
+        </p:txBody>
+      </p:sp>
+      <p:sp>
+        <p:nvSpPr>
+          <p:cNvPr id="57" name="Rectangle 56">
+            <a:extLst>
+              <a:ext uri="{FF2B5EF4-FFF2-40B4-BE49-F238E27FC236}">
+                <a16:creationId xmlns:a16="http://schemas.microsoft.com/office/drawing/2014/main" id="{BE00A674-A4A0-E2F0-8884-8ABC9E7DEC39}"/>
+              </a:ext>
+            </a:extLst>
+          </p:cNvPr>
+          <p:cNvSpPr/>
+          <p:nvPr/>
+        </p:nvSpPr>
+        <p:spPr>
+          <a:xfrm>
+            <a:off x="6829834" y="3537044"/>
+            <a:ext cx="1472099" cy="588306"/>
+          </a:xfrm>
+          <a:prstGeom prst="rect">
+            <a:avLst/>
+          </a:prstGeom>
+        </p:spPr>
+        <p:style>
+          <a:lnRef idx="2">
+            <a:schemeClr val="accent1">
+              <a:shade val="50000"/>
+            </a:schemeClr>
+          </a:lnRef>
+          <a:fillRef idx="1">
+            <a:schemeClr val="accent1"/>
+          </a:fillRef>
+          <a:effectRef idx="0">
+            <a:schemeClr val="accent1"/>
+          </a:effectRef>
+          <a:fontRef idx="minor">
+            <a:schemeClr val="lt1"/>
+          </a:fontRef>
+        </p:style>
+        <p:txBody>
+          <a:bodyPr rtlCol="0" anchor="ctr"/>
+          <a:lstStyle/>
+          <a:p>
+            <a:pPr algn="ctr"/>
+            <a:r>
+              <a:rPr lang="en-IN" sz="1950" dirty="0"/>
+              <a:t>Destination</a:t>
+            </a:r>
+          </a:p>
+          <a:p>
+            <a:pPr algn="ctr"/>
+            <a:r>
+              <a:rPr lang="en-IN" sz="1950" dirty="0"/>
+              <a:t>CRUD</a:t>
+            </a:r>
+          </a:p>
+        </p:txBody>
+      </p:sp>
+      <p:sp>
+        <p:nvSpPr>
+          <p:cNvPr id="58" name="Rectangle 57">
+            <a:extLst>
+              <a:ext uri="{FF2B5EF4-FFF2-40B4-BE49-F238E27FC236}">
+                <a16:creationId xmlns:a16="http://schemas.microsoft.com/office/drawing/2014/main" id="{0A2F9DD5-0FCE-1C71-E4AE-0C6A7261E796}"/>
+              </a:ext>
+            </a:extLst>
+          </p:cNvPr>
+          <p:cNvSpPr/>
+          <p:nvPr/>
+        </p:nvSpPr>
+        <p:spPr>
+          <a:xfrm>
+            <a:off x="5263814" y="3543908"/>
+            <a:ext cx="1368285" cy="581442"/>
+          </a:xfrm>
+          <a:prstGeom prst="rect">
+            <a:avLst/>
+          </a:prstGeom>
+        </p:spPr>
+        <p:style>
+          <a:lnRef idx="2">
+            <a:schemeClr val="accent1">
+              <a:shade val="50000"/>
+            </a:schemeClr>
+          </a:lnRef>
+          <a:fillRef idx="1">
+            <a:schemeClr val="accent1"/>
+          </a:fillRef>
+          <a:effectRef idx="0">
+            <a:schemeClr val="accent1"/>
+          </a:effectRef>
+          <a:fontRef idx="minor">
+            <a:schemeClr val="lt1"/>
+          </a:fontRef>
+        </p:style>
+        <p:txBody>
+          <a:bodyPr rtlCol="0" anchor="ctr"/>
+          <a:lstStyle/>
+          <a:p>
+            <a:pPr algn="ctr"/>
+            <a:r>
+              <a:rPr lang="en-IN" sz="1950" dirty="0"/>
+              <a:t>Source CRUD</a:t>
+            </a:r>
+          </a:p>
+        </p:txBody>
+      </p:sp>
+      <p:sp>
+        <p:nvSpPr>
+          <p:cNvPr id="59" name="Rectangle 58">
+            <a:extLst>
+              <a:ext uri="{FF2B5EF4-FFF2-40B4-BE49-F238E27FC236}">
+                <a16:creationId xmlns:a16="http://schemas.microsoft.com/office/drawing/2014/main" id="{60A68080-915E-6CB9-6B07-653DC3B35C30}"/>
+              </a:ext>
+            </a:extLst>
+          </p:cNvPr>
+          <p:cNvSpPr/>
+          <p:nvPr/>
+        </p:nvSpPr>
+        <p:spPr>
+          <a:xfrm>
+            <a:off x="7537694" y="1696778"/>
+            <a:ext cx="2171143" cy="392415"/>
+          </a:xfrm>
+          <a:prstGeom prst="rect">
+            <a:avLst/>
+          </a:prstGeom>
+        </p:spPr>
+        <p:style>
+          <a:lnRef idx="2">
+            <a:schemeClr val="accent1">
+              <a:shade val="50000"/>
+            </a:schemeClr>
+          </a:lnRef>
+          <a:fillRef idx="1">
+            <a:schemeClr val="accent1"/>
+          </a:fillRef>
+          <a:effectRef idx="0">
+            <a:schemeClr val="accent1"/>
+          </a:effectRef>
+          <a:fontRef idx="minor">
+            <a:schemeClr val="lt1"/>
+          </a:fontRef>
+        </p:style>
+        <p:txBody>
+          <a:bodyPr rtlCol="0" anchor="ctr"/>
+          <a:lstStyle/>
+          <a:p>
+            <a:pPr algn="ctr"/>
+            <a:r>
+              <a:rPr lang="en-IN" sz="1950" dirty="0"/>
+              <a:t>Change Password</a:t>
+            </a:r>
+          </a:p>
+        </p:txBody>
+      </p:sp>
+      <p:cxnSp>
+        <p:nvCxnSpPr>
+          <p:cNvPr id="16" name="Straight Arrow Connector 15">
+            <a:extLst>
+              <a:ext uri="{FF2B5EF4-FFF2-40B4-BE49-F238E27FC236}">
+                <a16:creationId xmlns:a16="http://schemas.microsoft.com/office/drawing/2014/main" id="{6507824B-85A2-2C59-EED9-67AE0F52A9CE}"/>
+              </a:ext>
+            </a:extLst>
+          </p:cNvPr>
+          <p:cNvCxnSpPr>
+            <a:stCxn id="9" idx="3"/>
+            <a:endCxn id="54" idx="5"/>
+          </p:cNvCxnSpPr>
+          <p:nvPr/>
+        </p:nvCxnSpPr>
+        <p:spPr>
+          <a:xfrm>
+            <a:off x="3276542" y="1869760"/>
+            <a:ext cx="1527618" cy="9109"/>
+          </a:xfrm>
+          <a:prstGeom prst="straightConnector1">
+            <a:avLst/>
+          </a:prstGeom>
+          <a:ln>
+            <a:tailEnd type="triangle"/>
+          </a:ln>
         </p:spPr>
         <p:style>
           <a:lnRef idx="1">
@@ -3815,277 +4050,23 @@
       </p:cxnSp>
       <p:cxnSp>
         <p:nvCxnSpPr>
-          <p:cNvPr id="105" name="Straight Arrow Connector 104">
+          <p:cNvPr id="20" name="Straight Arrow Connector 19">
             <a:extLst>
               <a:ext uri="{FF2B5EF4-FFF2-40B4-BE49-F238E27FC236}">
-                <a16:creationId xmlns:a16="http://schemas.microsoft.com/office/drawing/2014/main" id="{4A3112AE-4611-4335-A11C-13C25F038C42}"/>
+                <a16:creationId xmlns:a16="http://schemas.microsoft.com/office/drawing/2014/main" id="{5F20C6C3-2A8D-1265-997A-A4CCEC992FFF}"/>
               </a:ext>
             </a:extLst>
           </p:cNvPr>
           <p:cNvCxnSpPr>
             <a:cxnSpLocks/>
-            <a:stCxn id="9" idx="3"/>
-            <a:endCxn id="8" idx="1"/>
+            <a:stCxn id="54" idx="4"/>
           </p:cNvCxnSpPr>
           <p:nvPr/>
         </p:nvCxnSpPr>
         <p:spPr>
-          <a:xfrm flipV="1">
-            <a:off x="3234575" y="2709738"/>
-            <a:ext cx="582605" cy="14093"/>
-          </a:xfrm>
-          <a:prstGeom prst="straightConnector1">
-            <a:avLst/>
-          </a:prstGeom>
-          <a:ln>
-            <a:headEnd type="triangle"/>
-            <a:tailEnd type="triangle"/>
-          </a:ln>
-        </p:spPr>
-        <p:style>
-          <a:lnRef idx="1">
-            <a:schemeClr val="accent1"/>
-          </a:lnRef>
-          <a:fillRef idx="0">
-            <a:schemeClr val="accent1"/>
-          </a:fillRef>
-          <a:effectRef idx="0">
-            <a:schemeClr val="accent1"/>
-          </a:effectRef>
-          <a:fontRef idx="minor">
-            <a:schemeClr val="tx1"/>
-          </a:fontRef>
-        </p:style>
-      </p:cxnSp>
-      <p:sp>
-        <p:nvSpPr>
-          <p:cNvPr id="106" name="TextBox 105">
-            <a:extLst>
-              <a:ext uri="{FF2B5EF4-FFF2-40B4-BE49-F238E27FC236}">
-                <a16:creationId xmlns:a16="http://schemas.microsoft.com/office/drawing/2014/main" id="{53CBF074-32D7-4A4C-BEDD-956DB2CB7234}"/>
-              </a:ext>
-            </a:extLst>
-          </p:cNvPr>
-          <p:cNvSpPr txBox="1"/>
-          <p:nvPr/>
-        </p:nvSpPr>
-        <p:spPr>
-          <a:xfrm>
-            <a:off x="6666381" y="5122539"/>
-            <a:ext cx="668667" cy="307777"/>
-          </a:xfrm>
-          <a:prstGeom prst="rect">
-            <a:avLst/>
-          </a:prstGeom>
-          <a:noFill/>
-        </p:spPr>
-        <p:txBody>
-          <a:bodyPr wrap="square" rtlCol="0">
-            <a:spAutoFit/>
-          </a:bodyPr>
-          <a:lstStyle/>
-          <a:p>
-            <a:r>
-              <a:rPr lang="en-IN" sz="1400" dirty="0"/>
-              <a:t>opt=3</a:t>
-            </a:r>
-          </a:p>
-        </p:txBody>
-      </p:sp>
-      <p:sp>
-        <p:nvSpPr>
-          <p:cNvPr id="107" name="TextBox 106">
-            <a:extLst>
-              <a:ext uri="{FF2B5EF4-FFF2-40B4-BE49-F238E27FC236}">
-                <a16:creationId xmlns:a16="http://schemas.microsoft.com/office/drawing/2014/main" id="{C68CB633-6C26-4542-85EF-4BABCAA54A1B}"/>
-              </a:ext>
-            </a:extLst>
-          </p:cNvPr>
-          <p:cNvSpPr txBox="1"/>
-          <p:nvPr/>
-        </p:nvSpPr>
-        <p:spPr>
-          <a:xfrm>
-            <a:off x="3257762" y="2387338"/>
-            <a:ext cx="668667" cy="307777"/>
-          </a:xfrm>
-          <a:prstGeom prst="rect">
-            <a:avLst/>
-          </a:prstGeom>
-          <a:noFill/>
-        </p:spPr>
-        <p:txBody>
-          <a:bodyPr wrap="square" rtlCol="0">
-            <a:spAutoFit/>
-          </a:bodyPr>
-          <a:lstStyle/>
-          <a:p>
-            <a:r>
-              <a:rPr lang="en-IN" sz="1400" dirty="0"/>
-              <a:t>opt=1</a:t>
-            </a:r>
-          </a:p>
-        </p:txBody>
-      </p:sp>
-      <p:sp>
-        <p:nvSpPr>
-          <p:cNvPr id="108" name="TextBox 107">
-            <a:extLst>
-              <a:ext uri="{FF2B5EF4-FFF2-40B4-BE49-F238E27FC236}">
-                <a16:creationId xmlns:a16="http://schemas.microsoft.com/office/drawing/2014/main" id="{88F5F35A-CE65-4946-99CD-8033CE3862BC}"/>
-              </a:ext>
-            </a:extLst>
-          </p:cNvPr>
-          <p:cNvSpPr txBox="1"/>
-          <p:nvPr/>
-        </p:nvSpPr>
-        <p:spPr>
-          <a:xfrm>
-            <a:off x="5012566" y="5138458"/>
-            <a:ext cx="668667" cy="307777"/>
-          </a:xfrm>
-          <a:prstGeom prst="rect">
-            <a:avLst/>
-          </a:prstGeom>
-          <a:noFill/>
-        </p:spPr>
-        <p:txBody>
-          <a:bodyPr wrap="square" rtlCol="0">
-            <a:spAutoFit/>
-          </a:bodyPr>
-          <a:lstStyle/>
-          <a:p>
-            <a:r>
-              <a:rPr lang="en-IN" sz="1400" dirty="0"/>
-              <a:t>opt=2</a:t>
-            </a:r>
-          </a:p>
-        </p:txBody>
-      </p:sp>
-      <p:sp>
-        <p:nvSpPr>
-          <p:cNvPr id="109" name="TextBox 108">
-            <a:extLst>
-              <a:ext uri="{FF2B5EF4-FFF2-40B4-BE49-F238E27FC236}">
-                <a16:creationId xmlns:a16="http://schemas.microsoft.com/office/drawing/2014/main" id="{1B8EFB48-5066-4960-AAC4-763EA5F5DDA1}"/>
-              </a:ext>
-            </a:extLst>
-          </p:cNvPr>
-          <p:cNvSpPr txBox="1"/>
-          <p:nvPr/>
-        </p:nvSpPr>
-        <p:spPr>
-          <a:xfrm>
-            <a:off x="3428387" y="5167040"/>
-            <a:ext cx="668667" cy="307777"/>
-          </a:xfrm>
-          <a:prstGeom prst="rect">
-            <a:avLst/>
-          </a:prstGeom>
-          <a:noFill/>
-        </p:spPr>
-        <p:txBody>
-          <a:bodyPr wrap="square" rtlCol="0">
-            <a:spAutoFit/>
-          </a:bodyPr>
-          <a:lstStyle/>
-          <a:p>
-            <a:r>
-              <a:rPr lang="en-IN" sz="1400" dirty="0"/>
-              <a:t>opt=1</a:t>
-            </a:r>
-          </a:p>
-        </p:txBody>
-      </p:sp>
-      <p:sp>
-        <p:nvSpPr>
-          <p:cNvPr id="110" name="TextBox 109">
-            <a:extLst>
-              <a:ext uri="{FF2B5EF4-FFF2-40B4-BE49-F238E27FC236}">
-                <a16:creationId xmlns:a16="http://schemas.microsoft.com/office/drawing/2014/main" id="{9DD8BDAC-4164-44E0-B981-D3C91410F56F}"/>
-              </a:ext>
-            </a:extLst>
-          </p:cNvPr>
-          <p:cNvSpPr txBox="1"/>
-          <p:nvPr/>
-        </p:nvSpPr>
-        <p:spPr>
-          <a:xfrm>
-            <a:off x="5036391" y="3049750"/>
-            <a:ext cx="644842" cy="307777"/>
-          </a:xfrm>
-          <a:prstGeom prst="rect">
-            <a:avLst/>
-          </a:prstGeom>
-          <a:noFill/>
-        </p:spPr>
-        <p:txBody>
-          <a:bodyPr wrap="square" rtlCol="0">
-            <a:spAutoFit/>
-          </a:bodyPr>
-          <a:lstStyle/>
-          <a:p>
-            <a:r>
-              <a:rPr lang="en-IN" sz="1400" dirty="0"/>
-              <a:t>opt=2</a:t>
-            </a:r>
-          </a:p>
-        </p:txBody>
-      </p:sp>
-      <p:sp>
-        <p:nvSpPr>
-          <p:cNvPr id="111" name="TextBox 110">
-            <a:extLst>
-              <a:ext uri="{FF2B5EF4-FFF2-40B4-BE49-F238E27FC236}">
-                <a16:creationId xmlns:a16="http://schemas.microsoft.com/office/drawing/2014/main" id="{C494B11D-9EAC-4EBF-A600-C25C5ADBCF44}"/>
-              </a:ext>
-            </a:extLst>
-          </p:cNvPr>
-          <p:cNvSpPr txBox="1"/>
-          <p:nvPr/>
-        </p:nvSpPr>
-        <p:spPr>
-          <a:xfrm>
-            <a:off x="6219179" y="2419717"/>
-            <a:ext cx="668667" cy="307777"/>
-          </a:xfrm>
-          <a:prstGeom prst="rect">
-            <a:avLst/>
-          </a:prstGeom>
-          <a:noFill/>
-        </p:spPr>
-        <p:txBody>
-          <a:bodyPr wrap="square" rtlCol="0">
-            <a:spAutoFit/>
-          </a:bodyPr>
-          <a:lstStyle/>
-          <a:p>
-            <a:r>
-              <a:rPr lang="en-IN" sz="1400" dirty="0"/>
-              <a:t>opt=3</a:t>
-            </a:r>
-          </a:p>
-        </p:txBody>
-      </p:sp>
-      <p:cxnSp>
-        <p:nvCxnSpPr>
-          <p:cNvPr id="14" name="Straight Arrow Connector 13">
-            <a:extLst>
-              <a:ext uri="{FF2B5EF4-FFF2-40B4-BE49-F238E27FC236}">
-                <a16:creationId xmlns:a16="http://schemas.microsoft.com/office/drawing/2014/main" id="{00310D26-AE02-458E-A5C3-2CE5088EFB5B}"/>
-              </a:ext>
-            </a:extLst>
-          </p:cNvPr>
-          <p:cNvCxnSpPr>
-            <a:stCxn id="8" idx="3"/>
-            <a:endCxn id="66" idx="1"/>
-          </p:cNvCxnSpPr>
-          <p:nvPr/>
-        </p:nvCxnSpPr>
-        <p:spPr>
-          <a:xfrm>
-            <a:off x="6071153" y="2709738"/>
-            <a:ext cx="1083989" cy="7046"/>
+          <a:xfrm flipH="1">
+            <a:off x="5853993" y="2060959"/>
+            <a:ext cx="16168" cy="315485"/>
           </a:xfrm>
           <a:prstGeom prst="straightConnector1">
             <a:avLst/>
@@ -4111,10 +4092,135 @@
       </p:cxnSp>
       <p:cxnSp>
         <p:nvCxnSpPr>
-          <p:cNvPr id="19" name="Connector: Elbow 18">
+          <p:cNvPr id="24" name="Straight Arrow Connector 23">
             <a:extLst>
               <a:ext uri="{FF2B5EF4-FFF2-40B4-BE49-F238E27FC236}">
-                <a16:creationId xmlns:a16="http://schemas.microsoft.com/office/drawing/2014/main" id="{134BB7CA-456E-4299-A174-94AF941C505C}"/>
+                <a16:creationId xmlns:a16="http://schemas.microsoft.com/office/drawing/2014/main" id="{7017E858-03C5-32BB-1025-C691FAED0266}"/>
+              </a:ext>
+            </a:extLst>
+          </p:cNvPr>
+          <p:cNvCxnSpPr>
+            <a:stCxn id="51" idx="2"/>
+          </p:cNvCxnSpPr>
+          <p:nvPr/>
+        </p:nvCxnSpPr>
+        <p:spPr>
+          <a:xfrm flipH="1">
+            <a:off x="5844208" y="2740625"/>
+            <a:ext cx="1" cy="803283"/>
+          </a:xfrm>
+          <a:prstGeom prst="straightConnector1">
+            <a:avLst/>
+          </a:prstGeom>
+          <a:ln>
+            <a:tailEnd type="triangle"/>
+          </a:ln>
+        </p:spPr>
+        <p:style>
+          <a:lnRef idx="1">
+            <a:schemeClr val="accent1"/>
+          </a:lnRef>
+          <a:fillRef idx="0">
+            <a:schemeClr val="accent1"/>
+          </a:fillRef>
+          <a:effectRef idx="0">
+            <a:schemeClr val="accent1"/>
+          </a:effectRef>
+          <a:fontRef idx="minor">
+            <a:schemeClr val="tx1"/>
+          </a:fontRef>
+        </p:style>
+      </p:cxnSp>
+      <p:cxnSp>
+        <p:nvCxnSpPr>
+          <p:cNvPr id="26" name="Connector: Elbow 25">
+            <a:extLst>
+              <a:ext uri="{FF2B5EF4-FFF2-40B4-BE49-F238E27FC236}">
+                <a16:creationId xmlns:a16="http://schemas.microsoft.com/office/drawing/2014/main" id="{B0324419-2169-3B27-538B-F700093A2814}"/>
+              </a:ext>
+            </a:extLst>
+          </p:cNvPr>
+          <p:cNvCxnSpPr>
+            <a:stCxn id="56" idx="0"/>
+            <a:endCxn id="55" idx="0"/>
+          </p:cNvCxnSpPr>
+          <p:nvPr/>
+        </p:nvCxnSpPr>
+        <p:spPr>
+          <a:xfrm rot="5400000" flipH="1" flipV="1">
+            <a:off x="6755791" y="1175450"/>
+            <a:ext cx="11669" cy="4734858"/>
+          </a:xfrm>
+          <a:prstGeom prst="bentConnector3">
+            <a:avLst>
+              <a:gd name="adj1" fmla="val 3421844"/>
+            </a:avLst>
+          </a:prstGeom>
+          <a:ln>
+            <a:headEnd type="triangle"/>
+            <a:tailEnd type="triangle"/>
+          </a:ln>
+        </p:spPr>
+        <p:style>
+          <a:lnRef idx="1">
+            <a:schemeClr val="accent1"/>
+          </a:lnRef>
+          <a:fillRef idx="0">
+            <a:schemeClr val="accent1"/>
+          </a:fillRef>
+          <a:effectRef idx="0">
+            <a:schemeClr val="accent1"/>
+          </a:effectRef>
+          <a:fontRef idx="minor">
+            <a:schemeClr val="tx1"/>
+          </a:fontRef>
+        </p:style>
+      </p:cxnSp>
+      <p:cxnSp>
+        <p:nvCxnSpPr>
+          <p:cNvPr id="61" name="Straight Arrow Connector 60">
+            <a:extLst>
+              <a:ext uri="{FF2B5EF4-FFF2-40B4-BE49-F238E27FC236}">
+                <a16:creationId xmlns:a16="http://schemas.microsoft.com/office/drawing/2014/main" id="{4DF61024-9959-7E64-EEC9-06C9E8E8ABE6}"/>
+              </a:ext>
+            </a:extLst>
+          </p:cNvPr>
+          <p:cNvCxnSpPr/>
+          <p:nvPr/>
+        </p:nvCxnSpPr>
+        <p:spPr>
+          <a:xfrm>
+            <a:off x="7537694" y="3163753"/>
+            <a:ext cx="0" cy="373291"/>
+          </a:xfrm>
+          <a:prstGeom prst="straightConnector1">
+            <a:avLst/>
+          </a:prstGeom>
+          <a:ln>
+            <a:tailEnd type="triangle"/>
+          </a:ln>
+        </p:spPr>
+        <p:style>
+          <a:lnRef idx="1">
+            <a:schemeClr val="accent1"/>
+          </a:lnRef>
+          <a:fillRef idx="0">
+            <a:schemeClr val="accent1"/>
+          </a:fillRef>
+          <a:effectRef idx="0">
+            <a:schemeClr val="accent1"/>
+          </a:effectRef>
+          <a:fontRef idx="minor">
+            <a:schemeClr val="tx1"/>
+          </a:fontRef>
+        </p:style>
+      </p:cxnSp>
+      <p:cxnSp>
+        <p:nvCxnSpPr>
+          <p:cNvPr id="65" name="Straight Connector 64">
+            <a:extLst>
+              <a:ext uri="{FF2B5EF4-FFF2-40B4-BE49-F238E27FC236}">
+                <a16:creationId xmlns:a16="http://schemas.microsoft.com/office/drawing/2014/main" id="{35B65D04-CD2D-08B4-F7ED-82DCE7EF3F2D}"/>
               </a:ext>
             </a:extLst>
           </p:cNvPr>
@@ -4124,19 +4230,13 @@
           <p:nvPr/>
         </p:nvCxnSpPr>
         <p:spPr>
-          <a:xfrm rot="5400000" flipH="1">
-            <a:off x="2551607" y="3327454"/>
-            <a:ext cx="4044038" cy="984031"/>
-          </a:xfrm>
-          <a:prstGeom prst="bentConnector4">
-            <a:avLst>
-              <a:gd name="adj1" fmla="val -17122"/>
-              <a:gd name="adj2" fmla="val 438246"/>
-            </a:avLst>
+          <a:xfrm flipV="1">
+            <a:off x="4952999" y="2996242"/>
+            <a:ext cx="0" cy="540802"/>
+          </a:xfrm>
+          <a:prstGeom prst="line">
+            <a:avLst/>
           </a:prstGeom>
-          <a:ln>
-            <a:tailEnd type="triangle"/>
-          </a:ln>
         </p:spPr>
         <p:style>
           <a:lnRef idx="1">
@@ -4155,22 +4255,256 @@
       </p:cxnSp>
       <p:cxnSp>
         <p:nvCxnSpPr>
-          <p:cNvPr id="27" name="Straight Arrow Connector 26">
+          <p:cNvPr id="76" name="Straight Connector 75">
             <a:extLst>
               <a:ext uri="{FF2B5EF4-FFF2-40B4-BE49-F238E27FC236}">
-                <a16:creationId xmlns:a16="http://schemas.microsoft.com/office/drawing/2014/main" id="{856DB839-DDF1-4084-91B0-FF915475A283}"/>
+                <a16:creationId xmlns:a16="http://schemas.microsoft.com/office/drawing/2014/main" id="{CBE0B4E1-330C-0A1D-CFC7-3FE74A2EF329}"/>
               </a:ext>
             </a:extLst>
           </p:cNvPr>
           <p:cNvCxnSpPr>
-            <a:stCxn id="9" idx="0"/>
+            <a:cxnSpLocks/>
           </p:cNvCxnSpPr>
           <p:nvPr/>
         </p:nvCxnSpPr>
         <p:spPr>
           <a:xfrm flipV="1">
-            <a:off x="2160627" y="1814434"/>
-            <a:ext cx="0" cy="470937"/>
+            <a:off x="6298094" y="2996242"/>
+            <a:ext cx="0" cy="540802"/>
+          </a:xfrm>
+          <a:prstGeom prst="line">
+            <a:avLst/>
+          </a:prstGeom>
+        </p:spPr>
+        <p:style>
+          <a:lnRef idx="1">
+            <a:schemeClr val="accent1"/>
+          </a:lnRef>
+          <a:fillRef idx="0">
+            <a:schemeClr val="accent1"/>
+          </a:fillRef>
+          <a:effectRef idx="0">
+            <a:schemeClr val="accent1"/>
+          </a:effectRef>
+          <a:fontRef idx="minor">
+            <a:schemeClr val="tx1"/>
+          </a:fontRef>
+        </p:style>
+      </p:cxnSp>
+      <p:cxnSp>
+        <p:nvCxnSpPr>
+          <p:cNvPr id="77" name="Straight Connector 76">
+            <a:extLst>
+              <a:ext uri="{FF2B5EF4-FFF2-40B4-BE49-F238E27FC236}">
+                <a16:creationId xmlns:a16="http://schemas.microsoft.com/office/drawing/2014/main" id="{4B26A993-0546-7836-DCD5-9074DAA21401}"/>
+              </a:ext>
+            </a:extLst>
+          </p:cNvPr>
+          <p:cNvCxnSpPr>
+            <a:cxnSpLocks/>
+          </p:cNvCxnSpPr>
+          <p:nvPr/>
+        </p:nvCxnSpPr>
+        <p:spPr>
+          <a:xfrm flipV="1">
+            <a:off x="8875643" y="2996242"/>
+            <a:ext cx="0" cy="507892"/>
+          </a:xfrm>
+          <a:prstGeom prst="line">
+            <a:avLst/>
+          </a:prstGeom>
+        </p:spPr>
+        <p:style>
+          <a:lnRef idx="1">
+            <a:schemeClr val="accent1"/>
+          </a:lnRef>
+          <a:fillRef idx="0">
+            <a:schemeClr val="accent1"/>
+          </a:fillRef>
+          <a:effectRef idx="0">
+            <a:schemeClr val="accent1"/>
+          </a:effectRef>
+          <a:fontRef idx="minor">
+            <a:schemeClr val="tx1"/>
+          </a:fontRef>
+        </p:style>
+      </p:cxnSp>
+      <p:cxnSp>
+        <p:nvCxnSpPr>
+          <p:cNvPr id="78" name="Straight Connector 77">
+            <a:extLst>
+              <a:ext uri="{FF2B5EF4-FFF2-40B4-BE49-F238E27FC236}">
+                <a16:creationId xmlns:a16="http://schemas.microsoft.com/office/drawing/2014/main" id="{D761F164-863A-BF18-7845-D8EC3F18D0A6}"/>
+              </a:ext>
+            </a:extLst>
+          </p:cNvPr>
+          <p:cNvCxnSpPr>
+            <a:cxnSpLocks/>
+          </p:cNvCxnSpPr>
+          <p:nvPr/>
+        </p:nvCxnSpPr>
+        <p:spPr>
+          <a:xfrm flipV="1">
+            <a:off x="7769086" y="2996242"/>
+            <a:ext cx="0" cy="560808"/>
+          </a:xfrm>
+          <a:prstGeom prst="line">
+            <a:avLst/>
+          </a:prstGeom>
+        </p:spPr>
+        <p:style>
+          <a:lnRef idx="1">
+            <a:schemeClr val="accent1"/>
+          </a:lnRef>
+          <a:fillRef idx="0">
+            <a:schemeClr val="accent1"/>
+          </a:fillRef>
+          <a:effectRef idx="0">
+            <a:schemeClr val="accent1"/>
+          </a:effectRef>
+          <a:fontRef idx="minor">
+            <a:schemeClr val="tx1"/>
+          </a:fontRef>
+        </p:style>
+      </p:cxnSp>
+      <p:cxnSp>
+        <p:nvCxnSpPr>
+          <p:cNvPr id="72" name="Straight Connector 71">
+            <a:extLst>
+              <a:ext uri="{FF2B5EF4-FFF2-40B4-BE49-F238E27FC236}">
+                <a16:creationId xmlns:a16="http://schemas.microsoft.com/office/drawing/2014/main" id="{99887475-9926-569F-8EE9-E962C68ABA5F}"/>
+              </a:ext>
+            </a:extLst>
+          </p:cNvPr>
+          <p:cNvCxnSpPr>
+            <a:cxnSpLocks/>
+          </p:cNvCxnSpPr>
+          <p:nvPr/>
+        </p:nvCxnSpPr>
+        <p:spPr>
+          <a:xfrm>
+            <a:off x="4952999" y="2996242"/>
+            <a:ext cx="3922644" cy="0"/>
+          </a:xfrm>
+          <a:prstGeom prst="line">
+            <a:avLst/>
+          </a:prstGeom>
+        </p:spPr>
+        <p:style>
+          <a:lnRef idx="1">
+            <a:schemeClr val="accent1"/>
+          </a:lnRef>
+          <a:fillRef idx="0">
+            <a:schemeClr val="accent1"/>
+          </a:fillRef>
+          <a:effectRef idx="0">
+            <a:schemeClr val="accent1"/>
+          </a:effectRef>
+          <a:fontRef idx="minor">
+            <a:schemeClr val="tx1"/>
+          </a:fontRef>
+        </p:style>
+      </p:cxnSp>
+      <p:cxnSp>
+        <p:nvCxnSpPr>
+          <p:cNvPr id="86" name="Straight Connector 85">
+            <a:extLst>
+              <a:ext uri="{FF2B5EF4-FFF2-40B4-BE49-F238E27FC236}">
+                <a16:creationId xmlns:a16="http://schemas.microsoft.com/office/drawing/2014/main" id="{6C2FB9F6-C64B-933A-6F71-860FCF3B7DF6}"/>
+              </a:ext>
+            </a:extLst>
+          </p:cNvPr>
+          <p:cNvCxnSpPr>
+            <a:cxnSpLocks/>
+            <a:stCxn id="51" idx="3"/>
+          </p:cNvCxnSpPr>
+          <p:nvPr/>
+        </p:nvCxnSpPr>
+        <p:spPr>
+          <a:xfrm>
+            <a:off x="6929780" y="2544418"/>
+            <a:ext cx="1167298" cy="0"/>
+          </a:xfrm>
+          <a:prstGeom prst="line">
+            <a:avLst/>
+          </a:prstGeom>
+        </p:spPr>
+        <p:style>
+          <a:lnRef idx="1">
+            <a:schemeClr val="accent1"/>
+          </a:lnRef>
+          <a:fillRef idx="0">
+            <a:schemeClr val="accent1"/>
+          </a:fillRef>
+          <a:effectRef idx="0">
+            <a:schemeClr val="accent1"/>
+          </a:effectRef>
+          <a:fontRef idx="minor">
+            <a:schemeClr val="tx1"/>
+          </a:fontRef>
+        </p:style>
+      </p:cxnSp>
+      <p:cxnSp>
+        <p:nvCxnSpPr>
+          <p:cNvPr id="88" name="Straight Arrow Connector 87">
+            <a:extLst>
+              <a:ext uri="{FF2B5EF4-FFF2-40B4-BE49-F238E27FC236}">
+                <a16:creationId xmlns:a16="http://schemas.microsoft.com/office/drawing/2014/main" id="{5C983983-C83E-3ED0-A5E6-532224AAFCBC}"/>
+              </a:ext>
+            </a:extLst>
+          </p:cNvPr>
+          <p:cNvCxnSpPr>
+            <a:cxnSpLocks/>
+          </p:cNvCxnSpPr>
+          <p:nvPr/>
+        </p:nvCxnSpPr>
+        <p:spPr>
+          <a:xfrm flipV="1">
+            <a:off x="8097078" y="2077809"/>
+            <a:ext cx="0" cy="918433"/>
+          </a:xfrm>
+          <a:prstGeom prst="straightConnector1">
+            <a:avLst/>
+          </a:prstGeom>
+          <a:ln>
+            <a:tailEnd type="triangle"/>
+          </a:ln>
+        </p:spPr>
+        <p:style>
+          <a:lnRef idx="1">
+            <a:schemeClr val="accent1"/>
+          </a:lnRef>
+          <a:fillRef idx="0">
+            <a:schemeClr val="accent1"/>
+          </a:fillRef>
+          <a:effectRef idx="0">
+            <a:schemeClr val="accent1"/>
+          </a:effectRef>
+          <a:fontRef idx="minor">
+            <a:schemeClr val="tx1"/>
+          </a:fontRef>
+        </p:style>
+      </p:cxnSp>
+      <p:cxnSp>
+        <p:nvCxnSpPr>
+          <p:cNvPr id="92" name="Straight Arrow Connector 91">
+            <a:extLst>
+              <a:ext uri="{FF2B5EF4-FFF2-40B4-BE49-F238E27FC236}">
+                <a16:creationId xmlns:a16="http://schemas.microsoft.com/office/drawing/2014/main" id="{CD31307D-A995-4CAA-486A-02938B8A4EE7}"/>
+              </a:ext>
+            </a:extLst>
+          </p:cNvPr>
+          <p:cNvCxnSpPr>
+            <a:cxnSpLocks/>
+            <a:stCxn id="59" idx="1"/>
+            <a:endCxn id="54" idx="2"/>
+          </p:cNvCxnSpPr>
+          <p:nvPr/>
+        </p:nvCxnSpPr>
+        <p:spPr>
+          <a:xfrm flipH="1" flipV="1">
+            <a:off x="6936161" y="1878869"/>
+            <a:ext cx="601533" cy="14117"/>
           </a:xfrm>
           <a:prstGeom prst="straightConnector1">
             <a:avLst/>
